--- a/wiki/res/image.pptx
+++ b/wiki/res/image.pptx
@@ -7,6 +7,7 @@
   <p:sldIdLst>
     <p:sldId id="256" r:id="rId2"/>
     <p:sldId id="257" r:id="rId3"/>
+    <p:sldId id="258" r:id="rId4"/>
   </p:sldIdLst>
   <p:sldSz cx="12192000" cy="6858000"/>
   <p:notesSz cx="6858000" cy="9144000"/>
@@ -105,6 +106,11 @@
       </a:defRPr>
     </a:lvl9pPr>
   </p:defaultTextStyle>
+  <p:extLst>
+    <p:ext uri="{EFAFB233-063F-42B5-8137-9DF3F51BA10A}">
+      <p15:sldGuideLst xmlns:p15="http://schemas.microsoft.com/office/powerpoint/2012/main"/>
+    </p:ext>
+  </p:extLst>
 </p:presentation>
 </file>
 
@@ -239,7 +245,7 @@
           <a:p>
             <a:fld id="{69D753D7-2169-4D01-A081-C5AA94BB27AC}" type="datetimeFigureOut">
               <a:rPr lang="en-US" smtClean="0"/>
-              <a:t>11/14/2021</a:t>
+              <a:t>11/15/2021</a:t>
             </a:fld>
             <a:endParaRPr lang="en-US"/>
           </a:p>
@@ -409,7 +415,7 @@
           <a:p>
             <a:fld id="{69D753D7-2169-4D01-A081-C5AA94BB27AC}" type="datetimeFigureOut">
               <a:rPr lang="en-US" smtClean="0"/>
-              <a:t>11/14/2021</a:t>
+              <a:t>11/15/2021</a:t>
             </a:fld>
             <a:endParaRPr lang="en-US"/>
           </a:p>
@@ -589,7 +595,7 @@
           <a:p>
             <a:fld id="{69D753D7-2169-4D01-A081-C5AA94BB27AC}" type="datetimeFigureOut">
               <a:rPr lang="en-US" smtClean="0"/>
-              <a:t>11/14/2021</a:t>
+              <a:t>11/15/2021</a:t>
             </a:fld>
             <a:endParaRPr lang="en-US"/>
           </a:p>
@@ -759,7 +765,7 @@
           <a:p>
             <a:fld id="{69D753D7-2169-4D01-A081-C5AA94BB27AC}" type="datetimeFigureOut">
               <a:rPr lang="en-US" smtClean="0"/>
-              <a:t>11/14/2021</a:t>
+              <a:t>11/15/2021</a:t>
             </a:fld>
             <a:endParaRPr lang="en-US"/>
           </a:p>
@@ -1005,7 +1011,7 @@
           <a:p>
             <a:fld id="{69D753D7-2169-4D01-A081-C5AA94BB27AC}" type="datetimeFigureOut">
               <a:rPr lang="en-US" smtClean="0"/>
-              <a:t>11/14/2021</a:t>
+              <a:t>11/15/2021</a:t>
             </a:fld>
             <a:endParaRPr lang="en-US"/>
           </a:p>
@@ -1237,7 +1243,7 @@
           <a:p>
             <a:fld id="{69D753D7-2169-4D01-A081-C5AA94BB27AC}" type="datetimeFigureOut">
               <a:rPr lang="en-US" smtClean="0"/>
-              <a:t>11/14/2021</a:t>
+              <a:t>11/15/2021</a:t>
             </a:fld>
             <a:endParaRPr lang="en-US"/>
           </a:p>
@@ -1604,7 +1610,7 @@
           <a:p>
             <a:fld id="{69D753D7-2169-4D01-A081-C5AA94BB27AC}" type="datetimeFigureOut">
               <a:rPr lang="en-US" smtClean="0"/>
-              <a:t>11/14/2021</a:t>
+              <a:t>11/15/2021</a:t>
             </a:fld>
             <a:endParaRPr lang="en-US"/>
           </a:p>
@@ -1722,7 +1728,7 @@
           <a:p>
             <a:fld id="{69D753D7-2169-4D01-A081-C5AA94BB27AC}" type="datetimeFigureOut">
               <a:rPr lang="en-US" smtClean="0"/>
-              <a:t>11/14/2021</a:t>
+              <a:t>11/15/2021</a:t>
             </a:fld>
             <a:endParaRPr lang="en-US"/>
           </a:p>
@@ -1817,7 +1823,7 @@
           <a:p>
             <a:fld id="{69D753D7-2169-4D01-A081-C5AA94BB27AC}" type="datetimeFigureOut">
               <a:rPr lang="en-US" smtClean="0"/>
-              <a:t>11/14/2021</a:t>
+              <a:t>11/15/2021</a:t>
             </a:fld>
             <a:endParaRPr lang="en-US"/>
           </a:p>
@@ -2094,7 +2100,7 @@
           <a:p>
             <a:fld id="{69D753D7-2169-4D01-A081-C5AA94BB27AC}" type="datetimeFigureOut">
               <a:rPr lang="en-US" smtClean="0"/>
-              <a:t>11/14/2021</a:t>
+              <a:t>11/15/2021</a:t>
             </a:fld>
             <a:endParaRPr lang="en-US"/>
           </a:p>
@@ -2347,7 +2353,7 @@
           <a:p>
             <a:fld id="{69D753D7-2169-4D01-A081-C5AA94BB27AC}" type="datetimeFigureOut">
               <a:rPr lang="en-US" smtClean="0"/>
-              <a:t>11/14/2021</a:t>
+              <a:t>11/15/2021</a:t>
             </a:fld>
             <a:endParaRPr lang="en-US"/>
           </a:p>
@@ -2560,7 +2566,7 @@
           <a:p>
             <a:fld id="{69D753D7-2169-4D01-A081-C5AA94BB27AC}" type="datetimeFigureOut">
               <a:rPr lang="en-US" smtClean="0"/>
-              <a:t>11/14/2021</a:t>
+              <a:t>11/15/2021</a:t>
             </a:fld>
             <a:endParaRPr lang="en-US"/>
           </a:p>
@@ -3862,9 +3868,9 @@
             <a:avLst/>
           </a:prstGeom>
           <a:solidFill>
-            <a:schemeClr val="accent1">
-              <a:lumMod val="60000"/>
-              <a:lumOff val="40000"/>
+            <a:schemeClr val="accent6">
+              <a:lumMod val="40000"/>
+              <a:lumOff val="60000"/>
             </a:schemeClr>
           </a:solidFill>
           <a:ln>
@@ -3895,22 +3901,22 @@
           <a:p>
             <a:pPr algn="ctr"/>
             <a:r>
-              <a:rPr lang="en-US" smtClean="0">
+              <a:rPr lang="en-US">
                 <a:solidFill>
                   <a:schemeClr val="tx1"/>
                 </a:solidFill>
               </a:rPr>
-              <a:t>Actual</a:t>
-            </a:r>
-            <a:r>
-              <a:rPr lang="en-US" smtClean="0">
+              <a:t>atomic </a:t>
+            </a:r>
+            <a:r>
+              <a:rPr lang="en-US" b="1">
                 <a:solidFill>
                   <a:schemeClr val="tx1"/>
                 </a:solidFill>
               </a:rPr>
-              <a:t> CellStyle</a:t>
-            </a:r>
-            <a:endParaRPr lang="en-US">
+              <a:t>CellStyle</a:t>
+            </a:r>
+            <a:endParaRPr lang="en-US" b="1">
               <a:solidFill>
                 <a:schemeClr val="tx1"/>
               </a:solidFill>
@@ -4074,22 +4080,30 @@
           <a:p>
             <a:pPr algn="ctr"/>
             <a:r>
-              <a:rPr lang="en-US" smtClean="0">
+              <a:rPr lang="en-US" sz="1600">
                 <a:solidFill>
                   <a:schemeClr val="tx1"/>
                 </a:solidFill>
               </a:rPr>
-              <a:t>Actual</a:t>
-            </a:r>
-            <a:r>
-              <a:rPr lang="en-US" smtClean="0">
+              <a:t>combined</a:t>
+            </a:r>
+            <a:r>
+              <a:rPr lang="en-US">
                 <a:solidFill>
                   <a:schemeClr val="tx1"/>
                 </a:solidFill>
               </a:rPr>
-              <a:t> CellStyle</a:t>
-            </a:r>
-            <a:endParaRPr lang="en-US">
+              <a:t> </a:t>
+            </a:r>
+            <a:r>
+              <a:rPr lang="en-US" b="1">
+                <a:solidFill>
+                  <a:schemeClr val="tx1"/>
+                </a:solidFill>
+              </a:rPr>
+              <a:t>CellStyle</a:t>
+            </a:r>
+            <a:endParaRPr lang="en-US" b="1">
               <a:solidFill>
                 <a:schemeClr val="tx1"/>
               </a:solidFill>
@@ -4217,22 +4231,30 @@
           <a:p>
             <a:pPr algn="ctr"/>
             <a:r>
-              <a:rPr lang="en-US" smtClean="0">
+              <a:rPr lang="en-US" sz="1600">
                 <a:solidFill>
                   <a:schemeClr val="tx1"/>
                 </a:solidFill>
               </a:rPr>
-              <a:t>Actual</a:t>
-            </a:r>
-            <a:r>
-              <a:rPr lang="en-US" smtClean="0">
+              <a:t>combined</a:t>
+            </a:r>
+            <a:r>
+              <a:rPr lang="en-US">
                 <a:solidFill>
                   <a:schemeClr val="tx1"/>
                 </a:solidFill>
               </a:rPr>
-              <a:t> CellStyle</a:t>
-            </a:r>
-            <a:endParaRPr lang="en-US">
+              <a:t> </a:t>
+            </a:r>
+            <a:r>
+              <a:rPr lang="en-US" b="1">
+                <a:solidFill>
+                  <a:schemeClr val="tx1"/>
+                </a:solidFill>
+              </a:rPr>
+              <a:t>CellStyle</a:t>
+            </a:r>
+            <a:endParaRPr lang="en-US" b="1">
               <a:solidFill>
                 <a:schemeClr val="tx1"/>
               </a:solidFill>
@@ -4396,22 +4418,30 @@
           <a:p>
             <a:pPr algn="ctr"/>
             <a:r>
-              <a:rPr lang="en-US" smtClean="0">
+              <a:rPr lang="en-US" sz="1600">
                 <a:solidFill>
                   <a:schemeClr val="tx1"/>
                 </a:solidFill>
               </a:rPr>
-              <a:t>Actual</a:t>
-            </a:r>
-            <a:r>
-              <a:rPr lang="en-US" smtClean="0">
+              <a:t>combined</a:t>
+            </a:r>
+            <a:r>
+              <a:rPr lang="en-US">
                 <a:solidFill>
                   <a:schemeClr val="tx1"/>
                 </a:solidFill>
               </a:rPr>
-              <a:t> CellStyle</a:t>
-            </a:r>
-            <a:endParaRPr lang="en-US">
+              <a:t> </a:t>
+            </a:r>
+            <a:r>
+              <a:rPr lang="en-US" b="1">
+                <a:solidFill>
+                  <a:schemeClr val="tx1"/>
+                </a:solidFill>
+              </a:rPr>
+              <a:t>CellStyle</a:t>
+            </a:r>
+            <a:endParaRPr lang="en-US" b="1">
               <a:solidFill>
                 <a:schemeClr val="tx1"/>
               </a:solidFill>
@@ -4550,22 +4580,30 @@
           <a:p>
             <a:pPr algn="ctr"/>
             <a:r>
+              <a:rPr lang="en-US" sz="1600" smtClean="0">
+                <a:solidFill>
+                  <a:schemeClr val="tx1"/>
+                </a:solidFill>
+              </a:rPr>
+              <a:t>combined</a:t>
+            </a:r>
+            <a:r>
               <a:rPr lang="en-US" smtClean="0">
                 <a:solidFill>
                   <a:schemeClr val="tx1"/>
                 </a:solidFill>
               </a:rPr>
-              <a:t>Actual</a:t>
-            </a:r>
-            <a:r>
-              <a:rPr lang="en-US" smtClean="0">
+              <a:t> </a:t>
+            </a:r>
+            <a:r>
+              <a:rPr lang="en-US" b="1">
                 <a:solidFill>
                   <a:schemeClr val="tx1"/>
                 </a:solidFill>
               </a:rPr>
-              <a:t> CellStyle</a:t>
-            </a:r>
-            <a:endParaRPr lang="en-US">
+              <a:t>CellStyle</a:t>
+            </a:r>
+            <a:endParaRPr lang="en-US" b="1">
               <a:solidFill>
                 <a:schemeClr val="tx1"/>
               </a:solidFill>
@@ -4707,9 +4745,9 @@
             <a:avLst/>
           </a:prstGeom>
           <a:solidFill>
-            <a:schemeClr val="accent1">
-              <a:lumMod val="60000"/>
-              <a:lumOff val="40000"/>
+            <a:schemeClr val="accent6">
+              <a:lumMod val="40000"/>
+              <a:lumOff val="60000"/>
             </a:schemeClr>
           </a:solidFill>
           <a:ln>
@@ -4745,17 +4783,17 @@
                   <a:schemeClr val="tx1"/>
                 </a:solidFill>
               </a:rPr>
-              <a:t>Actual</a:t>
-            </a:r>
-            <a:r>
-              <a:rPr lang="en-US" smtClean="0">
+              <a:t>atomic </a:t>
+            </a:r>
+            <a:r>
+              <a:rPr lang="en-US" b="1" smtClean="0">
                 <a:solidFill>
                   <a:schemeClr val="tx1"/>
                 </a:solidFill>
               </a:rPr>
-              <a:t> CellStyle</a:t>
-            </a:r>
-            <a:endParaRPr lang="en-US">
+              <a:t>CellStyle</a:t>
+            </a:r>
+            <a:endParaRPr lang="en-US" b="1">
               <a:solidFill>
                 <a:schemeClr val="tx1"/>
               </a:solidFill>
@@ -4803,6 +4841,390 @@
     <p:extLst>
       <p:ext uri="{BB962C8B-B14F-4D97-AF65-F5344CB8AC3E}">
         <p14:creationId xmlns:p14="http://schemas.microsoft.com/office/powerpoint/2010/main" val="2015209475"/>
+      </p:ext>
+    </p:extLst>
+  </p:cSld>
+  <p:clrMapOvr>
+    <a:masterClrMapping/>
+  </p:clrMapOvr>
+</p:sld>
+</file>
+
+<file path=ppt/slides/slide3.xml><?xml version="1.0" encoding="utf-8"?>
+<p:sld xmlns:a="http://schemas.openxmlformats.org/drawingml/2006/main" xmlns:r="http://schemas.openxmlformats.org/officeDocument/2006/relationships" xmlns:p="http://schemas.openxmlformats.org/presentationml/2006/main">
+  <p:cSld>
+    <p:spTree>
+      <p:nvGrpSpPr>
+        <p:cNvPr id="1" name=""/>
+        <p:cNvGrpSpPr/>
+        <p:nvPr/>
+      </p:nvGrpSpPr>
+      <p:grpSpPr>
+        <a:xfrm>
+          <a:off x="0" y="0"/>
+          <a:ext cx="0" cy="0"/>
+          <a:chOff x="0" y="0"/>
+          <a:chExt cx="0" cy="0"/>
+        </a:xfrm>
+      </p:grpSpPr>
+      <p:pic>
+        <p:nvPicPr>
+          <p:cNvPr id="2" name="Picture 1"/>
+          <p:cNvPicPr>
+            <a:picLocks noChangeAspect="1"/>
+          </p:cNvPicPr>
+          <p:nvPr/>
+        </p:nvPicPr>
+        <p:blipFill>
+          <a:blip r:embed="rId2"/>
+          <a:stretch>
+            <a:fillRect/>
+          </a:stretch>
+        </p:blipFill>
+        <p:spPr>
+          <a:xfrm>
+            <a:off x="875571" y="1218891"/>
+            <a:ext cx="10440857" cy="4420217"/>
+          </a:xfrm>
+          <a:prstGeom prst="rect">
+            <a:avLst/>
+          </a:prstGeom>
+        </p:spPr>
+      </p:pic>
+      <p:sp>
+        <p:nvSpPr>
+          <p:cNvPr id="3" name="Rectangle 2"/>
+          <p:cNvSpPr/>
+          <p:nvPr/>
+        </p:nvSpPr>
+        <p:spPr>
+          <a:xfrm>
+            <a:off x="938318" y="3060700"/>
+            <a:ext cx="8993082" cy="381000"/>
+          </a:xfrm>
+          <a:prstGeom prst="rect">
+            <a:avLst/>
+          </a:prstGeom>
+          <a:noFill/>
+          <a:ln w="38100">
+            <a:solidFill>
+              <a:srgbClr val="00B0F0"/>
+            </a:solidFill>
+          </a:ln>
+        </p:spPr>
+        <p:style>
+          <a:lnRef idx="2">
+            <a:schemeClr val="accent6"/>
+          </a:lnRef>
+          <a:fillRef idx="1">
+            <a:schemeClr val="lt1"/>
+          </a:fillRef>
+          <a:effectRef idx="0">
+            <a:schemeClr val="accent6"/>
+          </a:effectRef>
+          <a:fontRef idx="minor">
+            <a:schemeClr val="dk1"/>
+          </a:fontRef>
+        </p:style>
+        <p:txBody>
+          <a:bodyPr rtlCol="0" anchor="ctr"/>
+          <a:lstStyle/>
+          <a:p>
+            <a:pPr algn="ctr"/>
+            <a:endParaRPr lang="en-US"/>
+          </a:p>
+        </p:txBody>
+      </p:sp>
+      <p:sp>
+        <p:nvSpPr>
+          <p:cNvPr id="4" name="TextBox 3"/>
+          <p:cNvSpPr txBox="1"/>
+          <p:nvPr/>
+        </p:nvSpPr>
+        <p:spPr>
+          <a:xfrm>
+            <a:off x="-126974" y="3059667"/>
+            <a:ext cx="1065292" cy="369332"/>
+          </a:xfrm>
+          <a:prstGeom prst="rect">
+            <a:avLst/>
+          </a:prstGeom>
+          <a:noFill/>
+        </p:spPr>
+        <p:txBody>
+          <a:bodyPr wrap="none" rtlCol="0">
+            <a:spAutoFit/>
+          </a:bodyPr>
+          <a:lstStyle/>
+          <a:p>
+            <a:r>
+              <a:rPr lang="en-US" b="1" smtClean="0">
+                <a:solidFill>
+                  <a:srgbClr val="0070C0"/>
+                </a:solidFill>
+                <a:latin typeface="+mj-lt"/>
+              </a:rPr>
+              <a:t>Row style</a:t>
+            </a:r>
+            <a:endParaRPr lang="en-US" b="1">
+              <a:solidFill>
+                <a:srgbClr val="0070C0"/>
+              </a:solidFill>
+              <a:latin typeface="+mj-lt"/>
+            </a:endParaRPr>
+          </a:p>
+        </p:txBody>
+      </p:sp>
+      <p:sp>
+        <p:nvSpPr>
+          <p:cNvPr id="5" name="Rectangle 4"/>
+          <p:cNvSpPr/>
+          <p:nvPr/>
+        </p:nvSpPr>
+        <p:spPr>
+          <a:xfrm>
+            <a:off x="9791700" y="1588223"/>
+            <a:ext cx="787400" cy="3618777"/>
+          </a:xfrm>
+          <a:prstGeom prst="rect">
+            <a:avLst/>
+          </a:prstGeom>
+          <a:noFill/>
+          <a:ln w="38100">
+            <a:solidFill>
+              <a:srgbClr val="92D050"/>
+            </a:solidFill>
+          </a:ln>
+        </p:spPr>
+        <p:style>
+          <a:lnRef idx="2">
+            <a:schemeClr val="accent6"/>
+          </a:lnRef>
+          <a:fillRef idx="1">
+            <a:schemeClr val="lt1"/>
+          </a:fillRef>
+          <a:effectRef idx="0">
+            <a:schemeClr val="accent6"/>
+          </a:effectRef>
+          <a:fontRef idx="minor">
+            <a:schemeClr val="dk1"/>
+          </a:fontRef>
+        </p:style>
+        <p:txBody>
+          <a:bodyPr rtlCol="0" anchor="ctr"/>
+          <a:lstStyle/>
+          <a:p>
+            <a:pPr algn="ctr"/>
+            <a:endParaRPr lang="en-US"/>
+          </a:p>
+        </p:txBody>
+      </p:sp>
+      <p:sp>
+        <p:nvSpPr>
+          <p:cNvPr id="6" name="TextBox 5"/>
+          <p:cNvSpPr txBox="1"/>
+          <p:nvPr/>
+        </p:nvSpPr>
+        <p:spPr>
+          <a:xfrm>
+            <a:off x="9511724" y="1218891"/>
+            <a:ext cx="1360052" cy="369332"/>
+          </a:xfrm>
+          <a:prstGeom prst="rect">
+            <a:avLst/>
+          </a:prstGeom>
+          <a:noFill/>
+        </p:spPr>
+        <p:txBody>
+          <a:bodyPr wrap="none" rtlCol="0">
+            <a:spAutoFit/>
+          </a:bodyPr>
+          <a:lstStyle/>
+          <a:p>
+            <a:r>
+              <a:rPr lang="en-US" b="1" smtClean="0">
+                <a:solidFill>
+                  <a:schemeClr val="accent6"/>
+                </a:solidFill>
+                <a:latin typeface="+mj-lt"/>
+              </a:rPr>
+              <a:t>Column style</a:t>
+            </a:r>
+            <a:endParaRPr lang="en-US" b="1">
+              <a:solidFill>
+                <a:schemeClr val="accent6"/>
+              </a:solidFill>
+              <a:latin typeface="+mj-lt"/>
+            </a:endParaRPr>
+          </a:p>
+        </p:txBody>
+      </p:sp>
+      <p:sp>
+        <p:nvSpPr>
+          <p:cNvPr id="8" name="Rectangle 7"/>
+          <p:cNvSpPr/>
+          <p:nvPr/>
+        </p:nvSpPr>
+        <p:spPr>
+          <a:xfrm>
+            <a:off x="9652000" y="4025900"/>
+            <a:ext cx="1079500" cy="406400"/>
+          </a:xfrm>
+          <a:prstGeom prst="rect">
+            <a:avLst/>
+          </a:prstGeom>
+          <a:noFill/>
+          <a:ln w="38100">
+            <a:solidFill>
+              <a:srgbClr val="FF0000"/>
+            </a:solidFill>
+          </a:ln>
+        </p:spPr>
+        <p:style>
+          <a:lnRef idx="2">
+            <a:schemeClr val="accent6"/>
+          </a:lnRef>
+          <a:fillRef idx="1">
+            <a:schemeClr val="lt1"/>
+          </a:fillRef>
+          <a:effectRef idx="0">
+            <a:schemeClr val="accent6"/>
+          </a:effectRef>
+          <a:fontRef idx="minor">
+            <a:schemeClr val="dk1"/>
+          </a:fontRef>
+        </p:style>
+        <p:txBody>
+          <a:bodyPr rtlCol="0" anchor="ctr"/>
+          <a:lstStyle/>
+          <a:p>
+            <a:pPr algn="ctr"/>
+            <a:endParaRPr lang="en-US"/>
+          </a:p>
+        </p:txBody>
+      </p:sp>
+      <p:sp>
+        <p:nvSpPr>
+          <p:cNvPr id="9" name="TextBox 8"/>
+          <p:cNvSpPr txBox="1"/>
+          <p:nvPr/>
+        </p:nvSpPr>
+        <p:spPr>
+          <a:xfrm>
+            <a:off x="10731500" y="4044434"/>
+            <a:ext cx="989758" cy="369332"/>
+          </a:xfrm>
+          <a:prstGeom prst="rect">
+            <a:avLst/>
+          </a:prstGeom>
+          <a:noFill/>
+        </p:spPr>
+        <p:txBody>
+          <a:bodyPr wrap="none" rtlCol="0">
+            <a:spAutoFit/>
+          </a:bodyPr>
+          <a:lstStyle/>
+          <a:p>
+            <a:r>
+              <a:rPr lang="en-US" b="1" smtClean="0">
+                <a:solidFill>
+                  <a:srgbClr val="FF0000"/>
+                </a:solidFill>
+                <a:latin typeface="+mj-lt"/>
+              </a:rPr>
+              <a:t>Cell style</a:t>
+            </a:r>
+            <a:endParaRPr lang="en-US" b="1">
+              <a:solidFill>
+                <a:srgbClr val="FF0000"/>
+              </a:solidFill>
+              <a:latin typeface="+mj-lt"/>
+            </a:endParaRPr>
+          </a:p>
+        </p:txBody>
+      </p:sp>
+      <p:sp>
+        <p:nvSpPr>
+          <p:cNvPr id="10" name="Rectangle 9"/>
+          <p:cNvSpPr/>
+          <p:nvPr/>
+        </p:nvSpPr>
+        <p:spPr>
+          <a:xfrm>
+            <a:off x="1143000" y="4540250"/>
+            <a:ext cx="4584700" cy="666750"/>
+          </a:xfrm>
+          <a:prstGeom prst="rect">
+            <a:avLst/>
+          </a:prstGeom>
+          <a:noFill/>
+          <a:ln w="38100">
+            <a:solidFill>
+              <a:schemeClr val="tx1"/>
+            </a:solidFill>
+          </a:ln>
+        </p:spPr>
+        <p:style>
+          <a:lnRef idx="2">
+            <a:schemeClr val="accent6"/>
+          </a:lnRef>
+          <a:fillRef idx="1">
+            <a:schemeClr val="lt1"/>
+          </a:fillRef>
+          <a:effectRef idx="0">
+            <a:schemeClr val="accent6"/>
+          </a:effectRef>
+          <a:fontRef idx="minor">
+            <a:schemeClr val="dk1"/>
+          </a:fontRef>
+        </p:style>
+        <p:txBody>
+          <a:bodyPr rtlCol="0" anchor="ctr"/>
+          <a:lstStyle/>
+          <a:p>
+            <a:pPr algn="ctr"/>
+            <a:endParaRPr lang="en-US"/>
+          </a:p>
+        </p:txBody>
+      </p:sp>
+      <p:sp>
+        <p:nvSpPr>
+          <p:cNvPr id="11" name="TextBox 10"/>
+          <p:cNvSpPr txBox="1"/>
+          <p:nvPr/>
+        </p:nvSpPr>
+        <p:spPr>
+          <a:xfrm>
+            <a:off x="2570016" y="5207000"/>
+            <a:ext cx="1730667" cy="369332"/>
+          </a:xfrm>
+          <a:prstGeom prst="rect">
+            <a:avLst/>
+          </a:prstGeom>
+          <a:noFill/>
+        </p:spPr>
+        <p:txBody>
+          <a:bodyPr wrap="none" rtlCol="0">
+            <a:spAutoFit/>
+          </a:bodyPr>
+          <a:lstStyle/>
+          <a:p>
+            <a:r>
+              <a:rPr lang="en-US" b="1" smtClean="0">
+                <a:latin typeface="+mj-lt"/>
+              </a:rPr>
+              <a:t>Background style</a:t>
+            </a:r>
+            <a:endParaRPr lang="en-US" b="1">
+              <a:latin typeface="+mj-lt"/>
+            </a:endParaRPr>
+          </a:p>
+        </p:txBody>
+      </p:sp>
+    </p:spTree>
+    <p:extLst>
+      <p:ext uri="{BB962C8B-B14F-4D97-AF65-F5344CB8AC3E}">
+        <p14:creationId xmlns:p14="http://schemas.microsoft.com/office/powerpoint/2010/main" val="2771214017"/>
       </p:ext>
     </p:extLst>
   </p:cSld>
